--- a/NSTX-U High-k Scattering receiver optical calculation and calibration.pptx
+++ b/NSTX-U High-k Scattering receiver optical calculation and calibration.pptx
@@ -220,7 +220,7 @@
           <a:p>
             <a:fld id="{AF60D8B1-3022-4980-B7CB-5F1A6EED3A3C}" type="datetimeFigureOut">
               <a:rPr lang="en-US" smtClean="0"/>
-              <a:t>8/21/2024</a:t>
+              <a:t>1/25/2026</a:t>
             </a:fld>
             <a:endParaRPr lang="en-US"/>
           </a:p>
@@ -802,7 +802,7 @@
           <a:p>
             <a:fld id="{270D4FAA-57D5-48F2-8C7B-9CAAC1E82C81}" type="datetimeFigureOut">
               <a:rPr lang="en-US" smtClean="0"/>
-              <a:t>8/21/2024</a:t>
+              <a:t>1/25/2026</a:t>
             </a:fld>
             <a:endParaRPr lang="en-US"/>
           </a:p>
@@ -1000,7 +1000,7 @@
           <a:p>
             <a:fld id="{270D4FAA-57D5-48F2-8C7B-9CAAC1E82C81}" type="datetimeFigureOut">
               <a:rPr lang="en-US" smtClean="0"/>
-              <a:t>8/21/2024</a:t>
+              <a:t>1/25/2026</a:t>
             </a:fld>
             <a:endParaRPr lang="en-US"/>
           </a:p>
@@ -1208,7 +1208,7 @@
           <a:p>
             <a:fld id="{270D4FAA-57D5-48F2-8C7B-9CAAC1E82C81}" type="datetimeFigureOut">
               <a:rPr lang="en-US" smtClean="0"/>
-              <a:t>8/21/2024</a:t>
+              <a:t>1/25/2026</a:t>
             </a:fld>
             <a:endParaRPr lang="en-US"/>
           </a:p>
@@ -1406,7 +1406,7 @@
           <a:p>
             <a:fld id="{270D4FAA-57D5-48F2-8C7B-9CAAC1E82C81}" type="datetimeFigureOut">
               <a:rPr lang="en-US" smtClean="0"/>
-              <a:t>8/21/2024</a:t>
+              <a:t>1/25/2026</a:t>
             </a:fld>
             <a:endParaRPr lang="en-US"/>
           </a:p>
@@ -1681,7 +1681,7 @@
           <a:p>
             <a:fld id="{270D4FAA-57D5-48F2-8C7B-9CAAC1E82C81}" type="datetimeFigureOut">
               <a:rPr lang="en-US" smtClean="0"/>
-              <a:t>8/21/2024</a:t>
+              <a:t>1/25/2026</a:t>
             </a:fld>
             <a:endParaRPr lang="en-US"/>
           </a:p>
@@ -1946,7 +1946,7 @@
           <a:p>
             <a:fld id="{270D4FAA-57D5-48F2-8C7B-9CAAC1E82C81}" type="datetimeFigureOut">
               <a:rPr lang="en-US" smtClean="0"/>
-              <a:t>8/21/2024</a:t>
+              <a:t>1/25/2026</a:t>
             </a:fld>
             <a:endParaRPr lang="en-US"/>
           </a:p>
@@ -2358,7 +2358,7 @@
           <a:p>
             <a:fld id="{270D4FAA-57D5-48F2-8C7B-9CAAC1E82C81}" type="datetimeFigureOut">
               <a:rPr lang="en-US" smtClean="0"/>
-              <a:t>8/21/2024</a:t>
+              <a:t>1/25/2026</a:t>
             </a:fld>
             <a:endParaRPr lang="en-US"/>
           </a:p>
@@ -2499,7 +2499,7 @@
           <a:p>
             <a:fld id="{270D4FAA-57D5-48F2-8C7B-9CAAC1E82C81}" type="datetimeFigureOut">
               <a:rPr lang="en-US" smtClean="0"/>
-              <a:t>8/21/2024</a:t>
+              <a:t>1/25/2026</a:t>
             </a:fld>
             <a:endParaRPr lang="en-US"/>
           </a:p>
@@ -2612,7 +2612,7 @@
           <a:p>
             <a:fld id="{270D4FAA-57D5-48F2-8C7B-9CAAC1E82C81}" type="datetimeFigureOut">
               <a:rPr lang="en-US" smtClean="0"/>
-              <a:t>8/21/2024</a:t>
+              <a:t>1/25/2026</a:t>
             </a:fld>
             <a:endParaRPr lang="en-US"/>
           </a:p>
@@ -2923,7 +2923,7 @@
           <a:p>
             <a:fld id="{270D4FAA-57D5-48F2-8C7B-9CAAC1E82C81}" type="datetimeFigureOut">
               <a:rPr lang="en-US" smtClean="0"/>
-              <a:t>8/21/2024</a:t>
+              <a:t>1/25/2026</a:t>
             </a:fld>
             <a:endParaRPr lang="en-US"/>
           </a:p>
@@ -3211,7 +3211,7 @@
           <a:p>
             <a:fld id="{270D4FAA-57D5-48F2-8C7B-9CAAC1E82C81}" type="datetimeFigureOut">
               <a:rPr lang="en-US" smtClean="0"/>
-              <a:t>8/21/2024</a:t>
+              <a:t>1/25/2026</a:t>
             </a:fld>
             <a:endParaRPr lang="en-US"/>
           </a:p>
@@ -3452,7 +3452,7 @@
           <a:p>
             <a:fld id="{270D4FAA-57D5-48F2-8C7B-9CAAC1E82C81}" type="datetimeFigureOut">
               <a:rPr lang="en-US" smtClean="0"/>
-              <a:t>8/21/2024</a:t>
+              <a:t>1/25/2026</a:t>
             </a:fld>
             <a:endParaRPr lang="en-US"/>
           </a:p>
@@ -10042,8 +10042,8 @@
           </a:p>
         </p:txBody>
       </p:sp>
-      <mc:AlternateContent xmlns:mc="http://schemas.openxmlformats.org/markup-compatibility/2006">
-        <mc:Choice xmlns:a14="http://schemas.microsoft.com/office/drawing/2010/main" Requires="a14">
+      <mc:AlternateContent xmlns:mc="http://schemas.openxmlformats.org/markup-compatibility/2006" xmlns:a14="http://schemas.microsoft.com/office/drawing/2010/main">
+        <mc:Choice Requires="a14">
           <p:sp>
             <p:nvSpPr>
               <p:cNvPr id="58" name="TextBox 57"/>
@@ -10455,7 +10455,7 @@
             </p:txBody>
           </p:sp>
         </mc:Choice>
-        <mc:Fallback>
+        <mc:Fallback xmlns="">
           <p:sp>
             <p:nvSpPr>
               <p:cNvPr id="58" name="TextBox 57"/>
@@ -11864,8 +11864,8 @@
             </a:p>
           </p:txBody>
         </p:sp>
-        <mc:AlternateContent xmlns:mc="http://schemas.openxmlformats.org/markup-compatibility/2006">
-          <mc:Choice xmlns:a14="http://schemas.microsoft.com/office/drawing/2010/main" Requires="a14">
+        <mc:AlternateContent xmlns:mc="http://schemas.openxmlformats.org/markup-compatibility/2006" xmlns:a14="http://schemas.microsoft.com/office/drawing/2010/main">
+          <mc:Choice Requires="a14">
             <p:sp>
               <p:nvSpPr>
                 <p:cNvPr id="38" name="TextBox 37">
@@ -11934,7 +11934,7 @@
               </p:txBody>
             </p:sp>
           </mc:Choice>
-          <mc:Fallback>
+          <mc:Fallback xmlns="">
             <p:sp>
               <p:nvSpPr>
                 <p:cNvPr id="38" name="TextBox 37">
@@ -12029,8 +12029,8 @@
             </a:p>
           </p:txBody>
         </p:sp>
-        <mc:AlternateContent xmlns:mc="http://schemas.openxmlformats.org/markup-compatibility/2006">
-          <mc:Choice xmlns:a14="http://schemas.microsoft.com/office/drawing/2010/main" Requires="a14">
+        <mc:AlternateContent xmlns:mc="http://schemas.openxmlformats.org/markup-compatibility/2006" xmlns:a14="http://schemas.microsoft.com/office/drawing/2010/main">
+          <mc:Choice Requires="a14">
             <p:sp>
               <p:nvSpPr>
                 <p:cNvPr id="40" name="TextBox 39">
@@ -12099,7 +12099,7 @@
               </p:txBody>
             </p:sp>
           </mc:Choice>
-          <mc:Fallback>
+          <mc:Fallback xmlns="">
             <p:sp>
               <p:nvSpPr>
                 <p:cNvPr id="40" name="TextBox 39">
@@ -12145,8 +12145,8 @@
           </mc:Fallback>
         </mc:AlternateContent>
       </p:grpSp>
-      <mc:AlternateContent xmlns:mc="http://schemas.openxmlformats.org/markup-compatibility/2006">
-        <mc:Choice xmlns:a14="http://schemas.microsoft.com/office/drawing/2010/main" Requires="a14">
+      <mc:AlternateContent xmlns:mc="http://schemas.openxmlformats.org/markup-compatibility/2006" xmlns:a14="http://schemas.microsoft.com/office/drawing/2010/main">
+        <mc:Choice Requires="a14">
           <p:sp>
             <p:nvSpPr>
               <p:cNvPr id="60" name="TextBox 59"/>
@@ -12511,7 +12511,7 @@
             </p:txBody>
           </p:sp>
         </mc:Choice>
-        <mc:Fallback>
+        <mc:Fallback xmlns="">
           <p:sp>
             <p:nvSpPr>
               <p:cNvPr id="60" name="TextBox 59"/>
